--- a/RateIt.pptx
+++ b/RateIt.pptx
@@ -7,15 +7,17 @@
   <p:sldIdLst>
     <p:sldId id="266" r:id="rId5"/>
     <p:sldId id="267" r:id="rId6"/>
-    <p:sldId id="268" r:id="rId7"/>
-    <p:sldId id="269" r:id="rId8"/>
-    <p:sldId id="270" r:id="rId9"/>
-    <p:sldId id="271" r:id="rId10"/>
-    <p:sldId id="272" r:id="rId11"/>
-    <p:sldId id="273" r:id="rId12"/>
-    <p:sldId id="274" r:id="rId13"/>
-    <p:sldId id="275" r:id="rId14"/>
-    <p:sldId id="277" r:id="rId15"/>
+    <p:sldId id="279" r:id="rId7"/>
+    <p:sldId id="268" r:id="rId8"/>
+    <p:sldId id="269" r:id="rId9"/>
+    <p:sldId id="270" r:id="rId10"/>
+    <p:sldId id="271" r:id="rId11"/>
+    <p:sldId id="272" r:id="rId12"/>
+    <p:sldId id="273" r:id="rId13"/>
+    <p:sldId id="274" r:id="rId14"/>
+    <p:sldId id="275" r:id="rId15"/>
+    <p:sldId id="277" r:id="rId16"/>
+    <p:sldId id="278" r:id="rId17"/>
   </p:sldIdLst>
   <p:sldSz cx="12192000" cy="6858000"/>
   <p:notesSz cx="6858000" cy="9144000"/>
@@ -856,7 +858,7 @@
           <a:p>
             <a:fld id="{9184DA70-C731-4C70-880D-CCD4705E623C}" type="datetime1">
               <a:rPr lang="en-US" smtClean="0"/>
-              <a:t>12/14/2020</a:t>
+              <a:t>12/15/2020</a:t>
             </a:fld>
             <a:endParaRPr lang="en-US" dirty="0"/>
           </a:p>
@@ -1107,7 +1109,7 @@
           <a:p>
             <a:fld id="{62D6E202-B606-4609-B914-27C9371A1F6D}" type="datetime1">
               <a:rPr lang="en-US" smtClean="0"/>
-              <a:t>12/14/2020</a:t>
+              <a:t>12/15/2020</a:t>
             </a:fld>
             <a:endParaRPr lang="en-US" dirty="0"/>
           </a:p>
@@ -1422,7 +1424,7 @@
           <a:p>
             <a:fld id="{62D6E202-B606-4609-B914-27C9371A1F6D}" type="datetime1">
               <a:rPr lang="en-US" smtClean="0"/>
-              <a:t>12/14/2020</a:t>
+              <a:t>12/15/2020</a:t>
             </a:fld>
             <a:endParaRPr lang="en-US" dirty="0"/>
           </a:p>
@@ -1764,7 +1766,7 @@
           <a:p>
             <a:fld id="{62D6E202-B606-4609-B914-27C9371A1F6D}" type="datetime1">
               <a:rPr lang="en-US" smtClean="0"/>
-              <a:t>12/14/2020</a:t>
+              <a:t>12/15/2020</a:t>
             </a:fld>
             <a:endParaRPr lang="en-US" dirty="0"/>
           </a:p>
@@ -2079,7 +2081,7 @@
           <a:p>
             <a:fld id="{62D6E202-B606-4609-B914-27C9371A1F6D}" type="datetime1">
               <a:rPr lang="en-US" smtClean="0"/>
-              <a:t>12/14/2020</a:t>
+              <a:t>12/15/2020</a:t>
             </a:fld>
             <a:endParaRPr lang="en-US" dirty="0"/>
           </a:p>
@@ -2473,7 +2475,7 @@
           <a:p>
             <a:fld id="{62D6E202-B606-4609-B914-27C9371A1F6D}" type="datetime1">
               <a:rPr lang="en-US" smtClean="0"/>
-              <a:t>12/14/2020</a:t>
+              <a:t>12/15/2020</a:t>
             </a:fld>
             <a:endParaRPr lang="en-US" dirty="0"/>
           </a:p>
@@ -2644,7 +2646,7 @@
           <a:p>
             <a:fld id="{62D6E202-B606-4609-B914-27C9371A1F6D}" type="datetime1">
               <a:rPr lang="en-US" smtClean="0"/>
-              <a:t>12/14/2020</a:t>
+              <a:t>12/15/2020</a:t>
             </a:fld>
             <a:endParaRPr lang="en-US" dirty="0"/>
           </a:p>
@@ -2825,7 +2827,7 @@
           <a:p>
             <a:fld id="{62D6E202-B606-4609-B914-27C9371A1F6D}" type="datetime1">
               <a:rPr lang="en-US" smtClean="0"/>
-              <a:t>12/14/2020</a:t>
+              <a:t>12/15/2020</a:t>
             </a:fld>
             <a:endParaRPr lang="en-US" dirty="0"/>
           </a:p>
@@ -3002,7 +3004,7 @@
           <a:p>
             <a:fld id="{4BE1D723-8F53-4F53-90B0-1982A396982E}" type="datetime1">
               <a:rPr lang="en-US" smtClean="0"/>
-              <a:t>12/14/2020</a:t>
+              <a:t>12/15/2020</a:t>
             </a:fld>
             <a:endParaRPr lang="en-US" dirty="0"/>
           </a:p>
@@ -3249,7 +3251,7 @@
           <a:p>
             <a:fld id="{97669AF7-7BEB-44E4-9852-375E34362B5B}" type="datetime1">
               <a:rPr lang="en-US" smtClean="0"/>
-              <a:t>12/14/2020</a:t>
+              <a:t>12/15/2020</a:t>
             </a:fld>
             <a:endParaRPr lang="en-US" dirty="0"/>
           </a:p>
@@ -3481,7 +3483,7 @@
           <a:p>
             <a:fld id="{BAAAC38D-0552-4C82-B593-E6124DFADBE2}" type="datetime1">
               <a:rPr lang="en-US" smtClean="0"/>
-              <a:t>12/14/2020</a:t>
+              <a:t>12/15/2020</a:t>
             </a:fld>
             <a:endParaRPr lang="en-US" dirty="0"/>
           </a:p>
@@ -3855,7 +3857,7 @@
           <a:p>
             <a:fld id="{D9DF0F1C-5577-4ACB-BB62-DF8F3C494C7E}" type="datetime1">
               <a:rPr lang="en-US" smtClean="0"/>
-              <a:t>12/14/2020</a:t>
+              <a:t>12/15/2020</a:t>
             </a:fld>
             <a:endParaRPr lang="en-US" dirty="0"/>
           </a:p>
@@ -3978,7 +3980,7 @@
           <a:p>
             <a:fld id="{1775B394-D9F9-4F0C-B15D-605F45CB9E9F}" type="datetime1">
               <a:rPr lang="en-US" smtClean="0"/>
-              <a:t>12/14/2020</a:t>
+              <a:t>12/15/2020</a:t>
             </a:fld>
             <a:endParaRPr lang="en-US" dirty="0"/>
           </a:p>
@@ -4073,7 +4075,7 @@
           <a:p>
             <a:fld id="{39667345-2558-425A-8533-9BFDBCE15005}" type="datetime1">
               <a:rPr lang="en-US" smtClean="0"/>
-              <a:t>12/14/2020</a:t>
+              <a:t>12/15/2020</a:t>
             </a:fld>
             <a:endParaRPr lang="en-US" dirty="0"/>
           </a:p>
@@ -4328,7 +4330,7 @@
           <a:p>
             <a:fld id="{92BEA474-078D-4E9B-9B14-09A87B19DC46}" type="datetime1">
               <a:rPr lang="en-US" smtClean="0"/>
-              <a:t>12/14/2020</a:t>
+              <a:t>12/15/2020</a:t>
             </a:fld>
             <a:endParaRPr lang="en-US" dirty="0"/>
           </a:p>
@@ -4592,7 +4594,7 @@
           <a:p>
             <a:fld id="{4907D986-8816-4272-A432-0437A28A9828}" type="datetime1">
               <a:rPr lang="en-US" smtClean="0"/>
-              <a:t>12/14/2020</a:t>
+              <a:t>12/15/2020</a:t>
             </a:fld>
             <a:endParaRPr lang="en-US" dirty="0"/>
           </a:p>
@@ -5336,7 +5338,7 @@
           <a:p>
             <a:fld id="{62D6E202-B606-4609-B914-27C9371A1F6D}" type="datetime1">
               <a:rPr lang="en-US" smtClean="0"/>
-              <a:t>12/14/2020</a:t>
+              <a:t>12/15/2020</a:t>
             </a:fld>
             <a:endParaRPr lang="en-US" dirty="0"/>
           </a:p>
@@ -6016,21 +6018,13 @@
           <a:p>
             <a:r>
               <a:rPr lang="en-US" dirty="0"/>
-              <a:t>Naresh Barua</a:t>
+              <a:t>NARESH BARUA</a:t>
             </a:r>
           </a:p>
           <a:p>
             <a:r>
               <a:rPr lang="en-US" dirty="0"/>
-              <a:t>Dip </a:t>
-            </a:r>
-            <a:r>
-              <a:rPr lang="en-US" dirty="0" err="1"/>
-              <a:t>Fazla</a:t>
-            </a:r>
-            <a:r>
-              <a:rPr lang="en-US" dirty="0"/>
-              <a:t> Imam</a:t>
+              <a:t>DIP FAZLA IMAM</a:t>
             </a:r>
           </a:p>
         </p:txBody>
@@ -6070,6 +6064,141 @@
           <p:cNvPr id="2" name="Title 1">
             <a:extLst>
               <a:ext uri="{FF2B5EF4-FFF2-40B4-BE49-F238E27FC236}">
+                <a16:creationId xmlns:a16="http://schemas.microsoft.com/office/drawing/2014/main" id="{3662CCD8-E376-410A-9EC4-48E2AD2B12D9}"/>
+              </a:ext>
+            </a:extLst>
+          </p:cNvPr>
+          <p:cNvSpPr>
+            <a:spLocks noGrp="1"/>
+          </p:cNvSpPr>
+          <p:nvPr>
+            <p:ph type="title"/>
+          </p:nvPr>
+        </p:nvSpPr>
+        <p:spPr>
+          <a:xfrm>
+            <a:off x="677334" y="1041621"/>
+            <a:ext cx="8596668" cy="699716"/>
+          </a:xfrm>
+        </p:spPr>
+        <p:txBody>
+          <a:bodyPr/>
+          <a:lstStyle/>
+          <a:p>
+            <a:r>
+              <a:rPr lang="en-US" dirty="0"/>
+              <a:t>   </a:t>
+            </a:r>
+            <a:r>
+              <a:rPr lang="en-US" dirty="0" err="1"/>
+              <a:t>RateIt</a:t>
+            </a:r>
+            <a:r>
+              <a:rPr lang="en-US" dirty="0"/>
+              <a:t> Git:</a:t>
+            </a:r>
+          </a:p>
+        </p:txBody>
+      </p:sp>
+      <p:pic>
+        <p:nvPicPr>
+          <p:cNvPr id="5" name="Content Placeholder 4">
+            <a:extLst>
+              <a:ext uri="{FF2B5EF4-FFF2-40B4-BE49-F238E27FC236}">
+                <a16:creationId xmlns:a16="http://schemas.microsoft.com/office/drawing/2014/main" id="{B67A2F2C-7062-4753-B78C-D48B5030990F}"/>
+              </a:ext>
+            </a:extLst>
+          </p:cNvPr>
+          <p:cNvPicPr>
+            <a:picLocks noGrp="1" noChangeAspect="1"/>
+          </p:cNvPicPr>
+          <p:nvPr>
+            <p:ph idx="1"/>
+          </p:nvPr>
+        </p:nvPicPr>
+        <p:blipFill>
+          <a:blip r:embed="rId2"/>
+          <a:stretch>
+            <a:fillRect/>
+          </a:stretch>
+        </p:blipFill>
+        <p:spPr>
+          <a:xfrm>
+            <a:off x="765154" y="1918965"/>
+            <a:ext cx="8596312" cy="3020069"/>
+          </a:xfrm>
+        </p:spPr>
+      </p:pic>
+      <p:sp>
+        <p:nvSpPr>
+          <p:cNvPr id="6" name="TextBox 5">
+            <a:extLst>
+              <a:ext uri="{FF2B5EF4-FFF2-40B4-BE49-F238E27FC236}">
+                <a16:creationId xmlns:a16="http://schemas.microsoft.com/office/drawing/2014/main" id="{13FB4F01-217E-4218-A5AE-5D5E1CF435CC}"/>
+              </a:ext>
+            </a:extLst>
+          </p:cNvPr>
+          <p:cNvSpPr txBox="1"/>
+          <p:nvPr/>
+        </p:nvSpPr>
+        <p:spPr>
+          <a:xfrm>
+            <a:off x="765154" y="5001371"/>
+            <a:ext cx="8596312" cy="369332"/>
+          </a:xfrm>
+          <a:prstGeom prst="rect">
+            <a:avLst/>
+          </a:prstGeom>
+          <a:noFill/>
+        </p:spPr>
+        <p:txBody>
+          <a:bodyPr wrap="square" rtlCol="0">
+            <a:spAutoFit/>
+          </a:bodyPr>
+          <a:lstStyle/>
+          <a:p>
+            <a:r>
+              <a:rPr lang="en-US" dirty="0"/>
+              <a:t>https://github.com/Naresh-Barua/Software-Engeneering-Project-</a:t>
+            </a:r>
+          </a:p>
+        </p:txBody>
+      </p:sp>
+    </p:spTree>
+    <p:extLst>
+      <p:ext uri="{BB962C8B-B14F-4D97-AF65-F5344CB8AC3E}">
+        <p14:creationId xmlns:p14="http://schemas.microsoft.com/office/powerpoint/2010/main" val="291538131"/>
+      </p:ext>
+    </p:extLst>
+  </p:cSld>
+  <p:clrMapOvr>
+    <a:masterClrMapping/>
+  </p:clrMapOvr>
+</p:sld>
+</file>
+
+<file path=ppt/slides/slide11.xml><?xml version="1.0" encoding="utf-8"?>
+<p:sld xmlns:a="http://schemas.openxmlformats.org/drawingml/2006/main" xmlns:r="http://schemas.openxmlformats.org/officeDocument/2006/relationships" xmlns:p="http://schemas.openxmlformats.org/presentationml/2006/main">
+  <p:cSld>
+    <p:spTree>
+      <p:nvGrpSpPr>
+        <p:cNvPr id="1" name=""/>
+        <p:cNvGrpSpPr/>
+        <p:nvPr/>
+      </p:nvGrpSpPr>
+      <p:grpSpPr>
+        <a:xfrm>
+          <a:off x="0" y="0"/>
+          <a:ext cx="0" cy="0"/>
+          <a:chOff x="0" y="0"/>
+          <a:chExt cx="0" cy="0"/>
+        </a:xfrm>
+      </p:grpSpPr>
+      <p:sp>
+        <p:nvSpPr>
+          <p:cNvPr id="2" name="Title 1">
+            <a:extLst>
+              <a:ext uri="{FF2B5EF4-FFF2-40B4-BE49-F238E27FC236}">
                 <a16:creationId xmlns:a16="http://schemas.microsoft.com/office/drawing/2014/main" id="{714440C9-0C94-4F07-89B6-32FEAC7F1A09}"/>
               </a:ext>
             </a:extLst>
@@ -6150,7 +6279,7 @@
 </p:sld>
 </file>
 
-<file path=ppt/slides/slide11.xml><?xml version="1.0" encoding="utf-8"?>
+<file path=ppt/slides/slide12.xml><?xml version="1.0" encoding="utf-8"?>
 <p:sld xmlns:a="http://schemas.openxmlformats.org/drawingml/2006/main" xmlns:r="http://schemas.openxmlformats.org/officeDocument/2006/relationships" xmlns:p="http://schemas.openxmlformats.org/presentationml/2006/main">
   <p:cSld>
     <p:spTree>
@@ -6185,7 +6314,7 @@
         </p:nvSpPr>
         <p:spPr>
           <a:xfrm>
-            <a:off x="677334" y="1033670"/>
+            <a:off x="650701" y="482684"/>
             <a:ext cx="8596668" cy="667909"/>
           </a:xfrm>
         </p:spPr>
@@ -6232,8 +6361,8 @@
         </p:blipFill>
         <p:spPr>
           <a:xfrm>
-            <a:off x="1336565" y="2159925"/>
-            <a:ext cx="3162861" cy="3881437"/>
+            <a:off x="724005" y="1484253"/>
+            <a:ext cx="3985574" cy="4891063"/>
           </a:xfrm>
         </p:spPr>
       </p:pic>
@@ -6261,8 +6390,8 @@
         </p:blipFill>
         <p:spPr>
           <a:xfrm>
-            <a:off x="5537780" y="2159924"/>
-            <a:ext cx="2938283" cy="3881437"/>
+            <a:off x="5324716" y="1150593"/>
+            <a:ext cx="3985574" cy="5264896"/>
           </a:xfrm>
         </p:spPr>
       </p:pic>
@@ -6270,6 +6399,101 @@
     <p:extLst>
       <p:ext uri="{BB962C8B-B14F-4D97-AF65-F5344CB8AC3E}">
         <p14:creationId xmlns:p14="http://schemas.microsoft.com/office/powerpoint/2010/main" val="4163617777"/>
+      </p:ext>
+    </p:extLst>
+  </p:cSld>
+  <p:clrMapOvr>
+    <a:masterClrMapping/>
+  </p:clrMapOvr>
+</p:sld>
+</file>
+
+<file path=ppt/slides/slide13.xml><?xml version="1.0" encoding="utf-8"?>
+<p:sld xmlns:a="http://schemas.openxmlformats.org/drawingml/2006/main" xmlns:r="http://schemas.openxmlformats.org/officeDocument/2006/relationships" xmlns:p="http://schemas.openxmlformats.org/presentationml/2006/main">
+  <p:cSld>
+    <p:spTree>
+      <p:nvGrpSpPr>
+        <p:cNvPr id="1" name=""/>
+        <p:cNvGrpSpPr/>
+        <p:nvPr/>
+      </p:nvGrpSpPr>
+      <p:grpSpPr>
+        <a:xfrm>
+          <a:off x="0" y="0"/>
+          <a:ext cx="0" cy="0"/>
+          <a:chOff x="0" y="0"/>
+          <a:chExt cx="0" cy="0"/>
+        </a:xfrm>
+      </p:grpSpPr>
+      <p:sp>
+        <p:nvSpPr>
+          <p:cNvPr id="2" name="Title 1">
+            <a:extLst>
+              <a:ext uri="{FF2B5EF4-FFF2-40B4-BE49-F238E27FC236}">
+                <a16:creationId xmlns:a16="http://schemas.microsoft.com/office/drawing/2014/main" id="{2B7FCD10-FF65-4653-BDD7-16548ED7C0AB}"/>
+              </a:ext>
+            </a:extLst>
+          </p:cNvPr>
+          <p:cNvSpPr>
+            <a:spLocks noGrp="1"/>
+          </p:cNvSpPr>
+          <p:nvPr>
+            <p:ph type="title"/>
+          </p:nvPr>
+        </p:nvSpPr>
+        <p:spPr/>
+        <p:txBody>
+          <a:bodyPr/>
+          <a:lstStyle/>
+          <a:p>
+            <a:r>
+              <a:rPr lang="en-US" dirty="0"/>
+              <a:t>CONCLUSION</a:t>
+            </a:r>
+          </a:p>
+        </p:txBody>
+      </p:sp>
+      <p:sp>
+        <p:nvSpPr>
+          <p:cNvPr id="4" name="Content Placeholder 3">
+            <a:extLst>
+              <a:ext uri="{FF2B5EF4-FFF2-40B4-BE49-F238E27FC236}">
+                <a16:creationId xmlns:a16="http://schemas.microsoft.com/office/drawing/2014/main" id="{0D769F84-0F53-40B2-962E-F4BA841B0580}"/>
+              </a:ext>
+            </a:extLst>
+          </p:cNvPr>
+          <p:cNvSpPr>
+            <a:spLocks noGrp="1"/>
+          </p:cNvSpPr>
+          <p:nvPr>
+            <p:ph sz="half" idx="2"/>
+          </p:nvPr>
+        </p:nvSpPr>
+        <p:spPr>
+          <a:xfrm>
+            <a:off x="1225118" y="2160589"/>
+            <a:ext cx="8048886" cy="3880773"/>
+          </a:xfrm>
+        </p:spPr>
+        <p:txBody>
+          <a:bodyPr/>
+          <a:lstStyle/>
+          <a:p>
+            <a:r>
+              <a:rPr lang="en-US" dirty="0" err="1"/>
+              <a:t>RateIT</a:t>
+            </a:r>
+            <a:r>
+              <a:rPr lang="en-US" dirty="0"/>
+              <a:t> is a project by which people can have idea about the good products as well as the bad products. That will help them to enjoy good products and avoid bad products.</a:t>
+            </a:r>
+          </a:p>
+        </p:txBody>
+      </p:sp>
+    </p:spTree>
+    <p:extLst>
+      <p:ext uri="{BB962C8B-B14F-4D97-AF65-F5344CB8AC3E}">
+        <p14:creationId xmlns:p14="http://schemas.microsoft.com/office/powerpoint/2010/main" val="638596113"/>
       </p:ext>
     </p:extLst>
   </p:cSld>
@@ -6324,7 +6548,7 @@
           <a:p>
             <a:r>
               <a:rPr lang="en-US" dirty="0"/>
-              <a:t>Idea Generation:</a:t>
+              <a:t>INTRODUCTION</a:t>
             </a:r>
           </a:p>
         </p:txBody>
@@ -6357,53 +6581,24 @@
           </a:bodyPr>
           <a:lstStyle/>
           <a:p>
-            <a:r>
-              <a:rPr lang="en-US" dirty="0"/>
-              <a:t>The idea about our </a:t>
-            </a:r>
-            <a:r>
-              <a:rPr lang="en-US" dirty="0" err="1"/>
+            <a:pPr marL="0" indent="0">
+              <a:buNone/>
+            </a:pPr>
+            <a:r>
+              <a:rPr lang="en-US" sz="2400" dirty="0" err="1"/>
               <a:t>RateIt</a:t>
             </a:r>
             <a:r>
-              <a:rPr lang="en-US" dirty="0"/>
-              <a:t> project is given by our course sir Dr. Md </a:t>
-            </a:r>
-            <a:r>
-              <a:rPr lang="en-US" dirty="0" err="1"/>
-              <a:t>Razib</a:t>
-            </a:r>
-            <a:r>
-              <a:rPr lang="en-US" dirty="0"/>
-              <a:t> Hayat Khan. We have taken help and idea for this project from our sir. After hearing about the idea about the project we find it something interesting to work with. So we accepted our sir’s advice to work with it. </a:t>
-            </a:r>
-          </a:p>
-          <a:p>
-            <a:endParaRPr lang="en-US" dirty="0"/>
-          </a:p>
-          <a:p>
-            <a:pPr marL="0" indent="0">
-              <a:buNone/>
-            </a:pPr>
-            <a:r>
-              <a:rPr lang="en-US" dirty="0"/>
-              <a:t>    </a:t>
-            </a:r>
-            <a:r>
-              <a:rPr lang="en-US" dirty="0" err="1"/>
+              <a:rPr lang="en-US" sz="2400" dirty="0"/>
+              <a:t> is an online platform where we can rate anything of our daily life before we have it. We want to buy a phone, TV, Bike, Laptop etc. but we don’t have any idea about the product. For this we can use  </a:t>
+            </a:r>
+            <a:r>
+              <a:rPr lang="en-US" sz="2400" dirty="0" err="1"/>
               <a:t>RateIt</a:t>
             </a:r>
             <a:r>
-              <a:rPr lang="en-US" dirty="0"/>
-              <a:t> is an online platform where we can rate anything of our daily life before we have it.       We want to buy a phone but we don’t have any good idea about the mobile. For this we can use  </a:t>
-            </a:r>
-            <a:r>
-              <a:rPr lang="en-US" dirty="0" err="1"/>
-              <a:t>RateIt</a:t>
-            </a:r>
-            <a:r>
-              <a:rPr lang="en-US" dirty="0"/>
-              <a:t> to find out review about the mobile phone. We can rate any product, give stars to it, do a comment on it. </a:t>
+              <a:rPr lang="en-US" sz="2400" dirty="0"/>
+              <a:t> to find out about the product. We can rate any product, give stars to it, do a comment on it. </a:t>
             </a:r>
           </a:p>
         </p:txBody>
@@ -6443,7 +6638,7 @@
           <p:cNvPr id="2" name="Title 1">
             <a:extLst>
               <a:ext uri="{FF2B5EF4-FFF2-40B4-BE49-F238E27FC236}">
-                <a16:creationId xmlns:a16="http://schemas.microsoft.com/office/drawing/2014/main" id="{62D4AAFC-0A34-4E5D-B4B0-3C0D9A0FB379}"/>
+                <a16:creationId xmlns:a16="http://schemas.microsoft.com/office/drawing/2014/main" id="{A88DA1DB-8C7D-4E5B-8A6C-02D59DD4170B}"/>
               </a:ext>
             </a:extLst>
           </p:cNvPr>
@@ -6456,56 +6651,72 @@
         </p:nvSpPr>
         <p:spPr>
           <a:xfrm>
-            <a:off x="1049572" y="874642"/>
-            <a:ext cx="10098157" cy="683813"/>
+            <a:off x="677334" y="978010"/>
+            <a:ext cx="8596668" cy="952390"/>
           </a:xfrm>
         </p:spPr>
         <p:txBody>
-          <a:bodyPr>
-            <a:normAutofit/>
-          </a:bodyPr>
+          <a:bodyPr/>
           <a:lstStyle/>
           <a:p>
             <a:r>
               <a:rPr lang="en-US" dirty="0"/>
-              <a:t>UML Use Case:</a:t>
-            </a:r>
-          </a:p>
-        </p:txBody>
-      </p:sp>
-      <p:pic>
-        <p:nvPicPr>
-          <p:cNvPr id="5" name="Content Placeholder 4">
+              <a:t>Idea Generation:</a:t>
+            </a:r>
+          </a:p>
+        </p:txBody>
+      </p:sp>
+      <p:sp>
+        <p:nvSpPr>
+          <p:cNvPr id="3" name="Content Placeholder 2">
             <a:extLst>
               <a:ext uri="{FF2B5EF4-FFF2-40B4-BE49-F238E27FC236}">
-                <a16:creationId xmlns:a16="http://schemas.microsoft.com/office/drawing/2014/main" id="{916FAB18-F7E1-4EB4-9EE3-74D3FE83B1D2}"/>
+                <a16:creationId xmlns:a16="http://schemas.microsoft.com/office/drawing/2014/main" id="{244DAE48-CAEC-49D1-8AED-A8C76F711D5D}"/>
               </a:ext>
             </a:extLst>
           </p:cNvPr>
-          <p:cNvPicPr>
-            <a:picLocks noGrp="1" noChangeAspect="1"/>
-          </p:cNvPicPr>
+          <p:cNvSpPr>
+            <a:spLocks noGrp="1"/>
+          </p:cNvSpPr>
           <p:nvPr>
             <p:ph idx="1"/>
           </p:nvPr>
-        </p:nvPicPr>
-        <p:blipFill>
-          <a:blip r:embed="rId2"/>
-          <a:stretch>
-            <a:fillRect/>
-          </a:stretch>
-        </p:blipFill>
-        <p:spPr>
-          <a:xfrm>
-            <a:off x="2722281" y="2160588"/>
-            <a:ext cx="4507475" cy="3881437"/>
-          </a:xfrm>
-        </p:spPr>
-      </p:pic>
+        </p:nvSpPr>
+        <p:spPr/>
+        <p:txBody>
+          <a:bodyPr/>
+          <a:lstStyle/>
+          <a:p>
+            <a:r>
+              <a:rPr lang="en-US" dirty="0"/>
+              <a:t>The idea about our </a:t>
+            </a:r>
+            <a:r>
+              <a:rPr lang="en-US" dirty="0" err="1"/>
+              <a:t>RateIt</a:t>
+            </a:r>
+            <a:r>
+              <a:rPr lang="en-US" dirty="0"/>
+              <a:t> project is given by our course sir Dr. Md </a:t>
+            </a:r>
+            <a:r>
+              <a:rPr lang="en-US" dirty="0" err="1"/>
+              <a:t>Razib</a:t>
+            </a:r>
+            <a:r>
+              <a:rPr lang="en-US" dirty="0"/>
+              <a:t> Hayat Khan. We have taken help and idea for this project from our sir. After hearing about the idea about the project we find it something interesting to work with. So we accepted our sir’s advice to work with it. </a:t>
+            </a:r>
+          </a:p>
+          <a:p>
+            <a:endParaRPr lang="en-US" dirty="0"/>
+          </a:p>
+        </p:txBody>
+      </p:sp>
     </p:spTree>
     <p:extLst>
       <p:ext uri="{BB962C8B-B14F-4D97-AF65-F5344CB8AC3E}">
-        <p14:creationId xmlns:p14="http://schemas.microsoft.com/office/powerpoint/2010/main" val="608732144"/>
+        <p14:creationId xmlns:p14="http://schemas.microsoft.com/office/powerpoint/2010/main" val="1368701067"/>
       </p:ext>
     </p:extLst>
   </p:cSld>
@@ -6537,7 +6748,7 @@
           <p:cNvPr id="2" name="Title 1">
             <a:extLst>
               <a:ext uri="{FF2B5EF4-FFF2-40B4-BE49-F238E27FC236}">
-                <a16:creationId xmlns:a16="http://schemas.microsoft.com/office/drawing/2014/main" id="{7A18EAFF-DAF9-410D-8DA9-1630A1B42CE8}"/>
+                <a16:creationId xmlns:a16="http://schemas.microsoft.com/office/drawing/2014/main" id="{62D4AAFC-0A34-4E5D-B4B0-3C0D9A0FB379}"/>
               </a:ext>
             </a:extLst>
           </p:cNvPr>
@@ -6550,8 +6761,8 @@
         </p:nvSpPr>
         <p:spPr>
           <a:xfrm>
-            <a:off x="1097279" y="818984"/>
-            <a:ext cx="10066351" cy="699715"/>
+            <a:off x="774365" y="350859"/>
+            <a:ext cx="10098157" cy="683813"/>
           </a:xfrm>
         </p:spPr>
         <p:txBody>
@@ -6562,7 +6773,7 @@
           <a:p>
             <a:r>
               <a:rPr lang="en-US" dirty="0"/>
-              <a:t>UML Activity Diagram:</a:t>
+              <a:t>UML Use Case:</a:t>
             </a:r>
           </a:p>
         </p:txBody>
@@ -6572,7 +6783,7 @@
           <p:cNvPr id="5" name="Content Placeholder 4">
             <a:extLst>
               <a:ext uri="{FF2B5EF4-FFF2-40B4-BE49-F238E27FC236}">
-                <a16:creationId xmlns:a16="http://schemas.microsoft.com/office/drawing/2014/main" id="{C5977E10-B7B5-436C-B811-9F0332B5D382}"/>
+                <a16:creationId xmlns:a16="http://schemas.microsoft.com/office/drawing/2014/main" id="{916FAB18-F7E1-4EB4-9EE3-74D3FE83B1D2}"/>
               </a:ext>
             </a:extLst>
           </p:cNvPr>
@@ -6591,15 +6802,15 @@
         </p:blipFill>
         <p:spPr>
           <a:xfrm>
-            <a:off x="2546741" y="1705882"/>
-            <a:ext cx="5619248" cy="4333134"/>
+            <a:off x="2393806" y="1034672"/>
+            <a:ext cx="6762575" cy="5823328"/>
           </a:xfrm>
         </p:spPr>
       </p:pic>
     </p:spTree>
     <p:extLst>
       <p:ext uri="{BB962C8B-B14F-4D97-AF65-F5344CB8AC3E}">
-        <p14:creationId xmlns:p14="http://schemas.microsoft.com/office/powerpoint/2010/main" val="556916591"/>
+        <p14:creationId xmlns:p14="http://schemas.microsoft.com/office/powerpoint/2010/main" val="608732144"/>
       </p:ext>
     </p:extLst>
   </p:cSld>
@@ -6631,6 +6842,100 @@
           <p:cNvPr id="2" name="Title 1">
             <a:extLst>
               <a:ext uri="{FF2B5EF4-FFF2-40B4-BE49-F238E27FC236}">
+                <a16:creationId xmlns:a16="http://schemas.microsoft.com/office/drawing/2014/main" id="{7A18EAFF-DAF9-410D-8DA9-1630A1B42CE8}"/>
+              </a:ext>
+            </a:extLst>
+          </p:cNvPr>
+          <p:cNvSpPr>
+            <a:spLocks noGrp="1"/>
+          </p:cNvSpPr>
+          <p:nvPr>
+            <p:ph type="title"/>
+          </p:nvPr>
+        </p:nvSpPr>
+        <p:spPr>
+          <a:xfrm>
+            <a:off x="848704" y="392856"/>
+            <a:ext cx="10066351" cy="699715"/>
+          </a:xfrm>
+        </p:spPr>
+        <p:txBody>
+          <a:bodyPr>
+            <a:normAutofit/>
+          </a:bodyPr>
+          <a:lstStyle/>
+          <a:p>
+            <a:r>
+              <a:rPr lang="en-US" dirty="0"/>
+              <a:t>UML Activity Diagram:</a:t>
+            </a:r>
+          </a:p>
+        </p:txBody>
+      </p:sp>
+      <p:pic>
+        <p:nvPicPr>
+          <p:cNvPr id="5" name="Content Placeholder 4">
+            <a:extLst>
+              <a:ext uri="{FF2B5EF4-FFF2-40B4-BE49-F238E27FC236}">
+                <a16:creationId xmlns:a16="http://schemas.microsoft.com/office/drawing/2014/main" id="{C5977E10-B7B5-436C-B811-9F0332B5D382}"/>
+              </a:ext>
+            </a:extLst>
+          </p:cNvPr>
+          <p:cNvPicPr>
+            <a:picLocks noGrp="1" noChangeAspect="1"/>
+          </p:cNvPicPr>
+          <p:nvPr>
+            <p:ph idx="1"/>
+          </p:nvPr>
+        </p:nvPicPr>
+        <p:blipFill>
+          <a:blip r:embed="rId2"/>
+          <a:stretch>
+            <a:fillRect/>
+          </a:stretch>
+        </p:blipFill>
+        <p:spPr>
+          <a:xfrm>
+            <a:off x="2324798" y="1226487"/>
+            <a:ext cx="6694913" cy="5162605"/>
+          </a:xfrm>
+        </p:spPr>
+      </p:pic>
+    </p:spTree>
+    <p:extLst>
+      <p:ext uri="{BB962C8B-B14F-4D97-AF65-F5344CB8AC3E}">
+        <p14:creationId xmlns:p14="http://schemas.microsoft.com/office/powerpoint/2010/main" val="556916591"/>
+      </p:ext>
+    </p:extLst>
+  </p:cSld>
+  <p:clrMapOvr>
+    <a:masterClrMapping/>
+  </p:clrMapOvr>
+</p:sld>
+</file>
+
+<file path=ppt/slides/slide6.xml><?xml version="1.0" encoding="utf-8"?>
+<p:sld xmlns:a="http://schemas.openxmlformats.org/drawingml/2006/main" xmlns:r="http://schemas.openxmlformats.org/officeDocument/2006/relationships" xmlns:p="http://schemas.openxmlformats.org/presentationml/2006/main">
+  <p:cSld>
+    <p:spTree>
+      <p:nvGrpSpPr>
+        <p:cNvPr id="1" name=""/>
+        <p:cNvGrpSpPr/>
+        <p:nvPr/>
+      </p:nvGrpSpPr>
+      <p:grpSpPr>
+        <a:xfrm>
+          <a:off x="0" y="0"/>
+          <a:ext cx="0" cy="0"/>
+          <a:chOff x="0" y="0"/>
+          <a:chExt cx="0" cy="0"/>
+        </a:xfrm>
+      </p:grpSpPr>
+      <p:sp>
+        <p:nvSpPr>
+          <p:cNvPr id="2" name="Title 1">
+            <a:extLst>
+              <a:ext uri="{FF2B5EF4-FFF2-40B4-BE49-F238E27FC236}">
                 <a16:creationId xmlns:a16="http://schemas.microsoft.com/office/drawing/2014/main" id="{EA78A5F1-601C-4786-9FA8-BFDD42BA81FD}"/>
               </a:ext>
             </a:extLst>
@@ -6644,7 +6949,7 @@
         </p:nvSpPr>
         <p:spPr>
           <a:xfrm>
-            <a:off x="1097280" y="898498"/>
+            <a:off x="1066800" y="499003"/>
             <a:ext cx="10058400" cy="652006"/>
           </a:xfrm>
         </p:spPr>
@@ -6686,7 +6991,7 @@
         <p:spPr>
           <a:xfrm>
             <a:off x="524786" y="1901466"/>
-            <a:ext cx="9168456" cy="4058036"/>
+            <a:ext cx="8983198" cy="3976040"/>
           </a:xfrm>
         </p:spPr>
       </p:pic>
@@ -6703,7 +7008,7 @@
 </p:sld>
 </file>
 
-<file path=ppt/slides/slide6.xml><?xml version="1.0" encoding="utf-8"?>
+<file path=ppt/slides/slide7.xml><?xml version="1.0" encoding="utf-8"?>
 <p:sld xmlns:a="http://schemas.openxmlformats.org/drawingml/2006/main" xmlns:r="http://schemas.openxmlformats.org/officeDocument/2006/relationships" xmlns:p="http://schemas.openxmlformats.org/presentationml/2006/main">
   <p:cSld>
     <p:spTree>
@@ -6859,7 +7164,7 @@
 </p:sld>
 </file>
 
-<file path=ppt/slides/slide7.xml><?xml version="1.0" encoding="utf-8"?>
+<file path=ppt/slides/slide8.xml><?xml version="1.0" encoding="utf-8"?>
 <p:sld xmlns:a="http://schemas.openxmlformats.org/drawingml/2006/main" xmlns:r="http://schemas.openxmlformats.org/officeDocument/2006/relationships" xmlns:p="http://schemas.openxmlformats.org/presentationml/2006/main">
   <p:cSld>
     <p:spTree>
@@ -7015,7 +7320,7 @@
 </p:sld>
 </file>
 
-<file path=ppt/slides/slide8.xml><?xml version="1.0" encoding="utf-8"?>
+<file path=ppt/slides/slide9.xml><?xml version="1.0" encoding="utf-8"?>
 <p:sld xmlns:a="http://schemas.openxmlformats.org/drawingml/2006/main" xmlns:r="http://schemas.openxmlformats.org/officeDocument/2006/relationships" xmlns:p="http://schemas.openxmlformats.org/presentationml/2006/main">
   <p:cSld>
     <p:spTree>
@@ -7162,141 +7467,6 @@
     <p:extLst>
       <p:ext uri="{BB962C8B-B14F-4D97-AF65-F5344CB8AC3E}">
         <p14:creationId xmlns:p14="http://schemas.microsoft.com/office/powerpoint/2010/main" val="2536059661"/>
-      </p:ext>
-    </p:extLst>
-  </p:cSld>
-  <p:clrMapOvr>
-    <a:masterClrMapping/>
-  </p:clrMapOvr>
-</p:sld>
-</file>
-
-<file path=ppt/slides/slide9.xml><?xml version="1.0" encoding="utf-8"?>
-<p:sld xmlns:a="http://schemas.openxmlformats.org/drawingml/2006/main" xmlns:r="http://schemas.openxmlformats.org/officeDocument/2006/relationships" xmlns:p="http://schemas.openxmlformats.org/presentationml/2006/main">
-  <p:cSld>
-    <p:spTree>
-      <p:nvGrpSpPr>
-        <p:cNvPr id="1" name=""/>
-        <p:cNvGrpSpPr/>
-        <p:nvPr/>
-      </p:nvGrpSpPr>
-      <p:grpSpPr>
-        <a:xfrm>
-          <a:off x="0" y="0"/>
-          <a:ext cx="0" cy="0"/>
-          <a:chOff x="0" y="0"/>
-          <a:chExt cx="0" cy="0"/>
-        </a:xfrm>
-      </p:grpSpPr>
-      <p:sp>
-        <p:nvSpPr>
-          <p:cNvPr id="2" name="Title 1">
-            <a:extLst>
-              <a:ext uri="{FF2B5EF4-FFF2-40B4-BE49-F238E27FC236}">
-                <a16:creationId xmlns:a16="http://schemas.microsoft.com/office/drawing/2014/main" id="{3662CCD8-E376-410A-9EC4-48E2AD2B12D9}"/>
-              </a:ext>
-            </a:extLst>
-          </p:cNvPr>
-          <p:cNvSpPr>
-            <a:spLocks noGrp="1"/>
-          </p:cNvSpPr>
-          <p:nvPr>
-            <p:ph type="title"/>
-          </p:nvPr>
-        </p:nvSpPr>
-        <p:spPr>
-          <a:xfrm>
-            <a:off x="677334" y="1041621"/>
-            <a:ext cx="8596668" cy="699716"/>
-          </a:xfrm>
-        </p:spPr>
-        <p:txBody>
-          <a:bodyPr/>
-          <a:lstStyle/>
-          <a:p>
-            <a:r>
-              <a:rPr lang="en-US" dirty="0"/>
-              <a:t>   </a:t>
-            </a:r>
-            <a:r>
-              <a:rPr lang="en-US" dirty="0" err="1"/>
-              <a:t>RateIt</a:t>
-            </a:r>
-            <a:r>
-              <a:rPr lang="en-US" dirty="0"/>
-              <a:t> Git:</a:t>
-            </a:r>
-          </a:p>
-        </p:txBody>
-      </p:sp>
-      <p:pic>
-        <p:nvPicPr>
-          <p:cNvPr id="5" name="Content Placeholder 4">
-            <a:extLst>
-              <a:ext uri="{FF2B5EF4-FFF2-40B4-BE49-F238E27FC236}">
-                <a16:creationId xmlns:a16="http://schemas.microsoft.com/office/drawing/2014/main" id="{B67A2F2C-7062-4753-B78C-D48B5030990F}"/>
-              </a:ext>
-            </a:extLst>
-          </p:cNvPr>
-          <p:cNvPicPr>
-            <a:picLocks noGrp="1" noChangeAspect="1"/>
-          </p:cNvPicPr>
-          <p:nvPr>
-            <p:ph idx="1"/>
-          </p:nvPr>
-        </p:nvPicPr>
-        <p:blipFill>
-          <a:blip r:embed="rId2"/>
-          <a:stretch>
-            <a:fillRect/>
-          </a:stretch>
-        </p:blipFill>
-        <p:spPr>
-          <a:xfrm>
-            <a:off x="765154" y="1918965"/>
-            <a:ext cx="8596312" cy="3020069"/>
-          </a:xfrm>
-        </p:spPr>
-      </p:pic>
-      <p:sp>
-        <p:nvSpPr>
-          <p:cNvPr id="6" name="TextBox 5">
-            <a:extLst>
-              <a:ext uri="{FF2B5EF4-FFF2-40B4-BE49-F238E27FC236}">
-                <a16:creationId xmlns:a16="http://schemas.microsoft.com/office/drawing/2014/main" id="{13FB4F01-217E-4218-A5AE-5D5E1CF435CC}"/>
-              </a:ext>
-            </a:extLst>
-          </p:cNvPr>
-          <p:cNvSpPr txBox="1"/>
-          <p:nvPr/>
-        </p:nvSpPr>
-        <p:spPr>
-          <a:xfrm>
-            <a:off x="765154" y="5001371"/>
-            <a:ext cx="8596312" cy="369332"/>
-          </a:xfrm>
-          <a:prstGeom prst="rect">
-            <a:avLst/>
-          </a:prstGeom>
-          <a:noFill/>
-        </p:spPr>
-        <p:txBody>
-          <a:bodyPr wrap="square" rtlCol="0">
-            <a:spAutoFit/>
-          </a:bodyPr>
-          <a:lstStyle/>
-          <a:p>
-            <a:r>
-              <a:rPr lang="en-US" dirty="0"/>
-              <a:t>https://github.com/Naresh-Barua/Software-Engeneering-Project-</a:t>
-            </a:r>
-          </a:p>
-        </p:txBody>
-      </p:sp>
-    </p:spTree>
-    <p:extLst>
-      <p:ext uri="{BB962C8B-B14F-4D97-AF65-F5344CB8AC3E}">
-        <p14:creationId xmlns:p14="http://schemas.microsoft.com/office/powerpoint/2010/main" val="291538131"/>
       </p:ext>
     </p:extLst>
   </p:cSld>
